--- a/PSD/ぴったりドライブ.pptx
+++ b/PSD/ぴったりドライブ.pptx
@@ -3267,7 +3267,7 @@
         <p:spPr>
           <a:xfrm>
             <a:off x="2801814" y="3452674"/>
-            <a:ext cx="6553199" cy="756138"/>
+            <a:ext cx="8074271" cy="756138"/>
           </a:xfrm>
           <a:prstGeom prst="rect">
             <a:avLst/>
@@ -3477,8 +3477,8 @@
         </p:nvSpPr>
         <p:spPr>
           <a:xfrm>
-            <a:off x="3831058" y="2559225"/>
-            <a:ext cx="5523412" cy="1569660"/>
+            <a:off x="3989320" y="2289927"/>
+            <a:ext cx="6805459" cy="1862048"/>
           </a:xfrm>
           <a:prstGeom prst="rect">
             <a:avLst/>
@@ -3493,7 +3493,7 @@
           <a:p>
             <a:pPr algn="ctr"/>
             <a:r>
-              <a:rPr lang="ja-JP" altLang="en-US" sz="9600" b="1" spc="-300" dirty="0" smtClean="0">
+              <a:rPr lang="ja-JP" altLang="en-US" sz="11500" b="1" spc="-300" dirty="0" smtClean="0">
                 <a:ln w="22225">
                   <a:solidFill>
                     <a:schemeClr val="accent2"/>
@@ -3549,7 +3549,7 @@
               </a:rPr>
               <a:t>ドライブ</a:t>
             </a:r>
-            <a:endParaRPr kumimoji="1" lang="ja-JP" altLang="en-US" sz="9600" b="1" spc="-300" dirty="0">
+            <a:endParaRPr kumimoji="1" lang="ja-JP" altLang="en-US" sz="11500" b="1" spc="-300" dirty="0">
               <a:ln w="22225">
                 <a:solidFill>
                   <a:schemeClr val="accent2"/>
